--- a/图像处理挑战赛_模糊文档图像恢复.pptx
+++ b/图像处理挑战赛_模糊文档图像恢复.pptx
@@ -2969,10 +2969,6 @@
               <a:rPr lang="en-US" altLang="zh-CN"/>
               <a:t>                                                                                     </a:t>
             </a:r>
-            <a:r>
-              <a:rPr lang="zh-CN" altLang="en-US"/>
-              <a:t>作者：沙海英</a:t>
-            </a:r>
             <a:endParaRPr lang="zh-CN" altLang="en-US"/>
           </a:p>
         </p:txBody>
